--- a/Summit 2022.pptx
+++ b/Summit 2022.pptx
@@ -3151,7 +3151,7 @@
           <a:p>
             <a:fld id="{48A87A34-81AB-432B-8DAE-1953F412C126}" type="datetimeFigureOut">
               <a:rPr lang="en-US" dirty="0"/>
-              <a:t>4/20/2022</a:t>
+              <a:t>4/26/2022</a:t>
             </a:fld>
             <a:endParaRPr lang="en-US" dirty="0"/>
           </a:p>
@@ -3357,7 +3357,7 @@
           <a:p>
             <a:fld id="{48A87A34-81AB-432B-8DAE-1953F412C126}" type="datetimeFigureOut">
               <a:rPr lang="en-US" dirty="0"/>
-              <a:t>4/20/2022</a:t>
+              <a:t>4/26/2022</a:t>
             </a:fld>
             <a:endParaRPr lang="en-US" dirty="0"/>
           </a:p>
@@ -3567,7 +3567,7 @@
           <a:p>
             <a:fld id="{48A87A34-81AB-432B-8DAE-1953F412C126}" type="datetimeFigureOut">
               <a:rPr lang="en-US" dirty="0"/>
-              <a:t>4/20/2022</a:t>
+              <a:t>4/26/2022</a:t>
             </a:fld>
             <a:endParaRPr lang="en-US" dirty="0"/>
           </a:p>
@@ -3763,7 +3763,7 @@
           <a:p>
             <a:fld id="{48A87A34-81AB-432B-8DAE-1953F412C126}" type="datetimeFigureOut">
               <a:rPr lang="en-US" dirty="0"/>
-              <a:t>4/20/2022</a:t>
+              <a:t>4/26/2022</a:t>
             </a:fld>
             <a:endParaRPr lang="en-US" dirty="0"/>
           </a:p>
@@ -4037,7 +4037,7 @@
           <a:p>
             <a:fld id="{48A87A34-81AB-432B-8DAE-1953F412C126}" type="datetimeFigureOut">
               <a:rPr lang="en-US" dirty="0"/>
-              <a:t>4/20/2022</a:t>
+              <a:t>4/26/2022</a:t>
             </a:fld>
             <a:endParaRPr lang="en-US" dirty="0"/>
           </a:p>
@@ -4300,7 +4300,7 @@
           <a:p>
             <a:fld id="{48A87A34-81AB-432B-8DAE-1953F412C126}" type="datetimeFigureOut">
               <a:rPr lang="en-US" dirty="0"/>
-              <a:t>4/20/2022</a:t>
+              <a:t>4/26/2022</a:t>
             </a:fld>
             <a:endParaRPr lang="en-US" dirty="0"/>
           </a:p>
@@ -4711,7 +4711,7 @@
           <a:p>
             <a:fld id="{48A87A34-81AB-432B-8DAE-1953F412C126}" type="datetimeFigureOut">
               <a:rPr lang="en-US" dirty="0"/>
-              <a:t>4/20/2022</a:t>
+              <a:t>4/26/2022</a:t>
             </a:fld>
             <a:endParaRPr lang="en-US" dirty="0"/>
           </a:p>
@@ -4855,7 +4855,7 @@
           <a:p>
             <a:fld id="{48A87A34-81AB-432B-8DAE-1953F412C126}" type="datetimeFigureOut">
               <a:rPr lang="en-US" dirty="0"/>
-              <a:t>4/20/2022</a:t>
+              <a:t>4/26/2022</a:t>
             </a:fld>
             <a:endParaRPr lang="en-US" dirty="0"/>
           </a:p>
@@ -4976,7 +4976,7 @@
           <a:p>
             <a:fld id="{48A87A34-81AB-432B-8DAE-1953F412C126}" type="datetimeFigureOut">
               <a:rPr lang="en-US" dirty="0"/>
-              <a:t>4/20/2022</a:t>
+              <a:t>4/26/2022</a:t>
             </a:fld>
             <a:endParaRPr lang="en-US" dirty="0"/>
           </a:p>
@@ -5222,7 +5222,7 @@
           <a:p>
             <a:fld id="{48A87A34-81AB-432B-8DAE-1953F412C126}" type="datetimeFigureOut">
               <a:rPr lang="en-US" dirty="0"/>
-              <a:t>4/20/2022</a:t>
+              <a:t>4/26/2022</a:t>
             </a:fld>
             <a:endParaRPr lang="en-US" dirty="0"/>
           </a:p>
@@ -5663,7 +5663,7 @@
             <a:fld id="{48A87A34-81AB-432B-8DAE-1953F412C126}" type="datetimeFigureOut">
               <a:rPr lang="en-US" dirty="0"/>
               <a:pPr/>
-              <a:t>4/20/2022</a:t>
+              <a:t>4/26/2022</a:t>
             </a:fld>
             <a:endParaRPr lang="en-US" dirty="0"/>
           </a:p>
@@ -5938,7 +5938,7 @@
             <a:fld id="{48A87A34-81AB-432B-8DAE-1953F412C126}" type="datetimeFigureOut">
               <a:rPr lang="en-US" dirty="0"/>
               <a:pPr/>
-              <a:t>4/20/2022</a:t>
+              <a:t>4/26/2022</a:t>
             </a:fld>
             <a:endParaRPr lang="en-US" dirty="0"/>
           </a:p>
@@ -6656,10 +6656,9 @@
           <a:lstStyle/>
           <a:p>
             <a:r>
-              <a:rPr lang="en-US"/>
+              <a:rPr lang="en-US" dirty="0"/>
               <a:t>The Zen of writing bad code</a:t>
             </a:r>
-            <a:endParaRPr lang="en-US" dirty="0"/>
           </a:p>
         </p:txBody>
       </p:sp>
@@ -8001,9 +8000,31 @@
           </a:p>
           <a:p>
             <a:r>
-              <a:rPr lang="en-US" dirty="0"/>
+              <a:rPr lang="en-US" dirty="0">
+                <a:hlinkClick r:id="rId2"/>
+              </a:rPr>
               <a:t>KevMar@gmail.com</a:t>
             </a:r>
+            <a:endParaRPr lang="en-US" dirty="0"/>
+          </a:p>
+          <a:p>
+            <a:r>
+              <a:rPr lang="en-US" dirty="0"/>
+              <a:t>github.com/</a:t>
+            </a:r>
+            <a:r>
+              <a:rPr lang="en-US" dirty="0" err="1"/>
+              <a:t>KevinMarquette</a:t>
+            </a:r>
+            <a:r>
+              <a:rPr lang="en-US" dirty="0"/>
+              <a:t>/</a:t>
+            </a:r>
+            <a:r>
+              <a:rPr lang="en-US" dirty="0" err="1"/>
+              <a:t>CodeGolfPresentation</a:t>
+            </a:r>
+            <a:endParaRPr lang="en-US" dirty="0"/>
           </a:p>
           <a:p>
             <a:endParaRPr lang="en-US" dirty="0"/>
@@ -8222,7 +8243,7 @@
           <p:nvPr/>
         </p:nvPicPr>
         <p:blipFill rotWithShape="1">
-          <a:blip r:embed="rId2"/>
+          <a:blip r:embed="rId3"/>
           <a:srcRect r="11587" b="2"/>
           <a:stretch/>
         </p:blipFill>
@@ -8503,18 +8524,18 @@
 </file>
 
 <file path=customXml/item1.xml><?xml version="1.0" encoding="utf-8"?>
-<p:properties xmlns:p="http://schemas.microsoft.com/office/2006/metadata/properties" xmlns:xsi="http://www.w3.org/2001/XMLSchema-instance" xmlns:pc="http://schemas.microsoft.com/office/infopath/2007/PartnerControls">
-  <documentManagement/>
-</p:properties>
-</file>
-
-<file path=customXml/item2.xml><?xml version="1.0" encoding="utf-8"?>
 <?mso-contentType ?>
 <FormTemplates xmlns="http://schemas.microsoft.com/sharepoint/v3/contenttype/forms">
   <Display>DocumentLibraryForm</Display>
   <Edit>DocumentLibraryForm</Edit>
   <New>DocumentLibraryForm</New>
 </FormTemplates>
+</file>
+
+<file path=customXml/item2.xml><?xml version="1.0" encoding="utf-8"?>
+<p:properties xmlns:p="http://schemas.microsoft.com/office/2006/metadata/properties" xmlns:xsi="http://www.w3.org/2001/XMLSchema-instance" xmlns:pc="http://schemas.microsoft.com/office/infopath/2007/PartnerControls">
+  <documentManagement/>
+</p:properties>
 </file>
 
 <file path=customXml/item3.xml><?xml version="1.0" encoding="utf-8"?>
@@ -8709,6 +8730,14 @@
 </file>
 
 <file path=customXml/itemProps1.xml><?xml version="1.0" encoding="utf-8"?>
+<ds:datastoreItem xmlns:ds="http://schemas.openxmlformats.org/officeDocument/2006/customXml" ds:itemID="{0C22064C-1319-48D9-99A8-E6155754BCCB}">
+  <ds:schemaRefs>
+    <ds:schemaRef ds:uri="http://schemas.microsoft.com/sharepoint/v3/contenttype/forms"/>
+  </ds:schemaRefs>
+</ds:datastoreItem>
+</file>
+
+<file path=customXml/itemProps2.xml><?xml version="1.0" encoding="utf-8"?>
 <ds:datastoreItem xmlns:ds="http://schemas.openxmlformats.org/officeDocument/2006/customXml" ds:itemID="{92A6475F-74BE-49E2-AA53-D5190570A614}">
   <ds:schemaRefs>
     <ds:schemaRef ds:uri="645951c4-77b2-4271-8f10-a0d3c1e36172"/>
@@ -8721,14 +8750,6 @@
     <ds:schemaRef ds:uri="http://schemas.microsoft.com/office/2006/metadata/properties"/>
     <ds:schemaRef ds:uri="http://www.w3.org/XML/1998/namespace"/>
     <ds:schemaRef ds:uri="http://purl.org/dc/dcmitype/"/>
-  </ds:schemaRefs>
-</ds:datastoreItem>
-</file>
-
-<file path=customXml/itemProps2.xml><?xml version="1.0" encoding="utf-8"?>
-<ds:datastoreItem xmlns:ds="http://schemas.openxmlformats.org/officeDocument/2006/customXml" ds:itemID="{0C22064C-1319-48D9-99A8-E6155754BCCB}">
-  <ds:schemaRefs>
-    <ds:schemaRef ds:uri="http://schemas.microsoft.com/sharepoint/v3/contenttype/forms"/>
   </ds:schemaRefs>
 </ds:datastoreItem>
 </file>
